--- a/La Galería.pptx
+++ b/La Galería.pptx
@@ -111,7 +111,7 @@
   </p:defaultTextStyle>
   <p:extLst>
     <p:ext uri="{EFAFB233-063F-42B5-8137-9DF3F51BA10A}">
-      <p15:sldGuideLst xmlns:p15="http://schemas.microsoft.com/office/powerpoint/2012/main"/>
+      <p15:sldGuideLst xmlns:p15="http://schemas.microsoft.com/office/powerpoint/2012/main" xmlns=""/>
     </p:ext>
   </p:extLst>
 </p:presentation>
@@ -1132,6 +1132,13 @@
         </dgm:presLayoutVars>
       </dgm:prSet>
       <dgm:spPr/>
+      <dgm:t>
+        <a:bodyPr/>
+        <a:lstStyle/>
+        <a:p>
+          <a:endParaRPr lang="es-ES"/>
+        </a:p>
+      </dgm:t>
     </dgm:pt>
     <dgm:pt modelId="{93AE7DF6-AA58-429C-951A-6705F01325C6}" type="pres">
       <dgm:prSet presAssocID="{BBA209D7-6182-4B47-9DF3-769D5DB8F1C5}" presName="root" presStyleCnt="0">
@@ -1165,6 +1172,13 @@
         </dgm:presLayoutVars>
       </dgm:prSet>
       <dgm:spPr/>
+      <dgm:t>
+        <a:bodyPr/>
+        <a:lstStyle/>
+        <a:p>
+          <a:endParaRPr lang="es-ES"/>
+        </a:p>
+      </dgm:t>
     </dgm:pt>
     <dgm:pt modelId="{F8B76A86-C7C1-4166-8DD1-C9D4A36EF490}" type="pres">
       <dgm:prSet presAssocID="{BBA209D7-6182-4B47-9DF3-769D5DB8F1C5}" presName="childShape" presStyleCnt="0">
@@ -1197,6 +1211,13 @@
         </dgm:presLayoutVars>
       </dgm:prSet>
       <dgm:spPr/>
+      <dgm:t>
+        <a:bodyPr/>
+        <a:lstStyle/>
+        <a:p>
+          <a:endParaRPr lang="es-ES"/>
+        </a:p>
+      </dgm:t>
     </dgm:pt>
     <dgm:pt modelId="{14B6957A-AFC5-4978-98E0-471DEAB04438}" type="pres">
       <dgm:prSet presAssocID="{F5F9B695-3E5A-477B-8E0E-7FFD6EAD1B17}" presName="childComposite" presStyleCnt="0">
@@ -1220,6 +1241,13 @@
         </dgm:presLayoutVars>
       </dgm:prSet>
       <dgm:spPr/>
+      <dgm:t>
+        <a:bodyPr/>
+        <a:lstStyle/>
+        <a:p>
+          <a:endParaRPr lang="es-ES"/>
+        </a:p>
+      </dgm:t>
     </dgm:pt>
     <dgm:pt modelId="{4283D772-7D40-410C-B648-DE6766713442}" type="pres">
       <dgm:prSet presAssocID="{966DC204-8050-4929-9859-81773C021F43}" presName="childComposite" presStyleCnt="0">
@@ -1243,18 +1271,25 @@
         </dgm:presLayoutVars>
       </dgm:prSet>
       <dgm:spPr/>
+      <dgm:t>
+        <a:bodyPr/>
+        <a:lstStyle/>
+        <a:p>
+          <a:endParaRPr lang="es-ES"/>
+        </a:p>
+      </dgm:t>
     </dgm:pt>
   </dgm:ptLst>
   <dgm:cxnLst>
+    <dgm:cxn modelId="{B85CA29F-6F0C-4573-BD79-6C1CEDCCD8B4}" type="presOf" srcId="{F5F9B695-3E5A-477B-8E0E-7FFD6EAD1B17}" destId="{12F9E0AD-5CA1-4614-9E4A-477D994EC04A}" srcOrd="0" destOrd="0" presId="urn:microsoft.com/office/officeart/2008/layout/SquareAccentList"/>
+    <dgm:cxn modelId="{0927D84C-0475-4E5C-A699-89185ECF29C7}" type="presOf" srcId="{1A04A484-F1D9-4A01-A49D-D70E355B3F99}" destId="{2BF6708F-72DF-41D5-9652-D1538CAB86E5}" srcOrd="0" destOrd="0" presId="urn:microsoft.com/office/officeart/2008/layout/SquareAccentList"/>
+    <dgm:cxn modelId="{5272E2E6-0CF9-4A60-9BD0-36432955FAAB}" srcId="{937589CA-DC2E-4955-AB15-54ECD5C33B2E}" destId="{BBA209D7-6182-4B47-9DF3-769D5DB8F1C5}" srcOrd="0" destOrd="0" parTransId="{13EA2634-E64C-465A-87AC-D2233ADE65D6}" sibTransId="{42B2271D-4EC4-40C4-A01F-BA0A9BCB180A}"/>
+    <dgm:cxn modelId="{8ADA904C-E34D-49B7-9468-0737797FC300}" srcId="{BBA209D7-6182-4B47-9DF3-769D5DB8F1C5}" destId="{966DC204-8050-4929-9859-81773C021F43}" srcOrd="2" destOrd="0" parTransId="{15AFA7EE-29D4-485A-9C5A-A8A1A2071C31}" sibTransId="{AD814E96-BA09-460D-904F-D90D91B456B3}"/>
     <dgm:cxn modelId="{391B6D29-E1EC-41A5-A24D-019DF9A8375C}" type="presOf" srcId="{BBA209D7-6182-4B47-9DF3-769D5DB8F1C5}" destId="{CD352A04-9584-4DB0-99D9-E1FFE220F428}" srcOrd="0" destOrd="0" presId="urn:microsoft.com/office/officeart/2008/layout/SquareAccentList"/>
-    <dgm:cxn modelId="{8ADA904C-E34D-49B7-9468-0737797FC300}" srcId="{BBA209D7-6182-4B47-9DF3-769D5DB8F1C5}" destId="{966DC204-8050-4929-9859-81773C021F43}" srcOrd="2" destOrd="0" parTransId="{15AFA7EE-29D4-485A-9C5A-A8A1A2071C31}" sibTransId="{AD814E96-BA09-460D-904F-D90D91B456B3}"/>
-    <dgm:cxn modelId="{0927D84C-0475-4E5C-A699-89185ECF29C7}" type="presOf" srcId="{1A04A484-F1D9-4A01-A49D-D70E355B3F99}" destId="{2BF6708F-72DF-41D5-9652-D1538CAB86E5}" srcOrd="0" destOrd="0" presId="urn:microsoft.com/office/officeart/2008/layout/SquareAccentList"/>
+    <dgm:cxn modelId="{DFE5337D-6CB2-40D0-A859-B90A88FB72D7}" type="presOf" srcId="{937589CA-DC2E-4955-AB15-54ECD5C33B2E}" destId="{541BB936-1F4C-4C14-990C-7ED296B2E38F}" srcOrd="0" destOrd="0" presId="urn:microsoft.com/office/officeart/2008/layout/SquareAccentList"/>
     <dgm:cxn modelId="{E13E9754-5726-40B9-BFBD-D6C913C1D840}" type="presOf" srcId="{966DC204-8050-4929-9859-81773C021F43}" destId="{923A7A02-7D45-4F84-AEEA-B05BC003BA53}" srcOrd="0" destOrd="0" presId="urn:microsoft.com/office/officeart/2008/layout/SquareAccentList"/>
-    <dgm:cxn modelId="{DFE5337D-6CB2-40D0-A859-B90A88FB72D7}" type="presOf" srcId="{937589CA-DC2E-4955-AB15-54ECD5C33B2E}" destId="{541BB936-1F4C-4C14-990C-7ED296B2E38F}" srcOrd="0" destOrd="0" presId="urn:microsoft.com/office/officeart/2008/layout/SquareAccentList"/>
     <dgm:cxn modelId="{26656A89-2F1C-4CAB-9DE0-99EE31395332}" srcId="{BBA209D7-6182-4B47-9DF3-769D5DB8F1C5}" destId="{1A04A484-F1D9-4A01-A49D-D70E355B3F99}" srcOrd="0" destOrd="0" parTransId="{C69722CA-AF9C-46BA-B053-293CEA02E240}" sibTransId="{5E233FD6-CEA3-4BC1-9AFD-C7A722EB9011}"/>
     <dgm:cxn modelId="{F1BD749F-2786-44DD-AF99-194ED9D4D96E}" srcId="{BBA209D7-6182-4B47-9DF3-769D5DB8F1C5}" destId="{F5F9B695-3E5A-477B-8E0E-7FFD6EAD1B17}" srcOrd="1" destOrd="0" parTransId="{9E547253-9F87-4D14-A712-E8AB1839CDF2}" sibTransId="{C9AE8886-F061-4EAE-A92C-7CBB2E49351B}"/>
-    <dgm:cxn modelId="{B85CA29F-6F0C-4573-BD79-6C1CEDCCD8B4}" type="presOf" srcId="{F5F9B695-3E5A-477B-8E0E-7FFD6EAD1B17}" destId="{12F9E0AD-5CA1-4614-9E4A-477D994EC04A}" srcOrd="0" destOrd="0" presId="urn:microsoft.com/office/officeart/2008/layout/SquareAccentList"/>
-    <dgm:cxn modelId="{5272E2E6-0CF9-4A60-9BD0-36432955FAAB}" srcId="{937589CA-DC2E-4955-AB15-54ECD5C33B2E}" destId="{BBA209D7-6182-4B47-9DF3-769D5DB8F1C5}" srcOrd="0" destOrd="0" parTransId="{13EA2634-E64C-465A-87AC-D2233ADE65D6}" sibTransId="{42B2271D-4EC4-40C4-A01F-BA0A9BCB180A}"/>
     <dgm:cxn modelId="{E38D56EA-51AB-45BD-A34F-DD1DBDF72624}" type="presParOf" srcId="{541BB936-1F4C-4C14-990C-7ED296B2E38F}" destId="{93AE7DF6-AA58-429C-951A-6705F01325C6}" srcOrd="0" destOrd="0" presId="urn:microsoft.com/office/officeart/2008/layout/SquareAccentList"/>
     <dgm:cxn modelId="{C7C7B0EB-7163-475D-9CA0-F98A1124AF16}" type="presParOf" srcId="{93AE7DF6-AA58-429C-951A-6705F01325C6}" destId="{359D6641-9120-48DD-B92E-5EDB9651369E}" srcOrd="0" destOrd="0" presId="urn:microsoft.com/office/officeart/2008/layout/SquareAccentList"/>
     <dgm:cxn modelId="{C5D504F0-E69C-4C30-A211-F4923CFA66E0}" type="presParOf" srcId="{359D6641-9120-48DD-B92E-5EDB9651369E}" destId="{67C64968-EB29-4972-AD54-17E9C0DA68AB}" srcOrd="0" destOrd="0" presId="urn:microsoft.com/office/officeart/2008/layout/SquareAccentList"/>
@@ -1275,14 +1310,14 @@
   <dgm:whole/>
   <dgm:extLst>
     <a:ext uri="http://schemas.microsoft.com/office/drawing/2008/diagram">
-      <dsp:dataModelExt xmlns:dsp="http://schemas.microsoft.com/office/drawing/2008/diagram" relId="rId6" minVer="http://schemas.openxmlformats.org/drawingml/2006/diagram"/>
+      <dsp:dataModelExt xmlns:dsp="http://schemas.microsoft.com/office/drawing/2008/diagram" xmlns="" relId="rId6" minVer="http://schemas.openxmlformats.org/drawingml/2006/diagram"/>
     </a:ext>
   </dgm:extLst>
 </dgm:dataModel>
 </file>
 
 <file path=ppt/diagrams/drawing1.xml><?xml version="1.0" encoding="utf-8"?>
-<dsp:drawing xmlns:dgm="http://schemas.openxmlformats.org/drawingml/2006/diagram" xmlns:dsp="http://schemas.microsoft.com/office/drawing/2008/diagram" xmlns:a="http://schemas.openxmlformats.org/drawingml/2006/main">
+<dsp:drawing xmlns:dgm="http://schemas.openxmlformats.org/drawingml/2006/diagram" xmlns:a="http://schemas.openxmlformats.org/drawingml/2006/main" xmlns:dsp="http://schemas.microsoft.com/office/drawing/2008/diagram">
   <dsp:spTree>
     <dsp:nvGrpSpPr>
       <dsp:cNvPr id="0" name=""/>
@@ -1425,7 +1460,7 @@
         </a:bodyPr>
         <a:lstStyle/>
         <a:p>
-          <a:pPr marL="0" lvl="0" indent="0" algn="l" defTabSz="1466850">
+          <a:pPr lvl="0" algn="l" defTabSz="1466850">
             <a:lnSpc>
               <a:spcPct val="90000"/>
             </a:lnSpc>
@@ -1435,7 +1470,6 @@
             <a:spcAft>
               <a:spcPct val="35000"/>
             </a:spcAft>
-            <a:buNone/>
           </a:pPr>
           <a:r>
             <a:rPr lang="es-ES" sz="3300" kern="1200" dirty="0"/>
@@ -1533,7 +1567,7 @@
         </a:bodyPr>
         <a:lstStyle/>
         <a:p>
-          <a:pPr marL="0" lvl="0" indent="0" algn="l" defTabSz="1289050">
+          <a:pPr lvl="0" algn="l" defTabSz="1289050">
             <a:lnSpc>
               <a:spcPct val="90000"/>
             </a:lnSpc>
@@ -1543,7 +1577,6 @@
             <a:spcAft>
               <a:spcPct val="35000"/>
             </a:spcAft>
-            <a:buNone/>
           </a:pPr>
           <a:r>
             <a:rPr lang="es-ES" sz="2900" kern="1200" dirty="0"/>
@@ -1641,7 +1674,7 @@
         </a:bodyPr>
         <a:lstStyle/>
         <a:p>
-          <a:pPr marL="0" lvl="0" indent="0" algn="l" defTabSz="1289050">
+          <a:pPr lvl="0" algn="l" defTabSz="1289050">
             <a:lnSpc>
               <a:spcPct val="90000"/>
             </a:lnSpc>
@@ -1651,7 +1684,6 @@
             <a:spcAft>
               <a:spcPct val="35000"/>
             </a:spcAft>
-            <a:buNone/>
           </a:pPr>
           <a:r>
             <a:rPr lang="es-ES" sz="2900" kern="1200" dirty="0" err="1"/>
@@ -1750,7 +1782,7 @@
         </a:bodyPr>
         <a:lstStyle/>
         <a:p>
-          <a:pPr marL="0" lvl="0" indent="0" algn="l" defTabSz="1289050">
+          <a:pPr lvl="0" algn="l" defTabSz="1289050">
             <a:lnSpc>
               <a:spcPct val="90000"/>
             </a:lnSpc>
@@ -1760,7 +1792,6 @@
             <a:spcAft>
               <a:spcPct val="35000"/>
             </a:spcAft>
-            <a:buNone/>
           </a:pPr>
           <a:r>
             <a:rPr lang="es-ES" sz="2900" kern="1200" dirty="0" err="1"/>
@@ -3222,7 +3253,7 @@
           <p:cNvPr id="2" name="Título 1">
             <a:extLst>
               <a:ext uri="{FF2B5EF4-FFF2-40B4-BE49-F238E27FC236}">
-                <a16:creationId xmlns:a16="http://schemas.microsoft.com/office/drawing/2014/main" id="{89B07561-DC71-CDCA-E6A0-7CDF4C678367}"/>
+                <a16:creationId xmlns:a16="http://schemas.microsoft.com/office/drawing/2014/main" xmlns="" id="{89B07561-DC71-CDCA-E6A0-7CDF4C678367}"/>
               </a:ext>
             </a:extLst>
           </p:cNvPr>
@@ -3259,7 +3290,7 @@
           <p:cNvPr id="3" name="Subtítulo 2">
             <a:extLst>
               <a:ext uri="{FF2B5EF4-FFF2-40B4-BE49-F238E27FC236}">
-                <a16:creationId xmlns:a16="http://schemas.microsoft.com/office/drawing/2014/main" id="{0D13D866-0F5D-1B9E-0107-E8F608E47EA4}"/>
+                <a16:creationId xmlns:a16="http://schemas.microsoft.com/office/drawing/2014/main" xmlns="" id="{0D13D866-0F5D-1B9E-0107-E8F608E47EA4}"/>
               </a:ext>
             </a:extLst>
           </p:cNvPr>
@@ -3329,7 +3360,7 @@
           <p:cNvPr id="4" name="Marcador de fecha 3">
             <a:extLst>
               <a:ext uri="{FF2B5EF4-FFF2-40B4-BE49-F238E27FC236}">
-                <a16:creationId xmlns:a16="http://schemas.microsoft.com/office/drawing/2014/main" id="{5443E101-5290-7F05-7C20-070172AA3B69}"/>
+                <a16:creationId xmlns:a16="http://schemas.microsoft.com/office/drawing/2014/main" xmlns="" id="{5443E101-5290-7F05-7C20-070172AA3B69}"/>
               </a:ext>
             </a:extLst>
           </p:cNvPr>
@@ -3347,6 +3378,7 @@
           <a:p>
             <a:fld id="{72A471FA-ED63-4153-8183-D123223DE17B}" type="datetimeFigureOut">
               <a:rPr lang="es-ES" smtClean="0"/>
+              <a:pPr/>
               <a:t>21/05/2024</a:t>
             </a:fld>
             <a:endParaRPr lang="es-ES"/>
@@ -3358,7 +3390,7 @@
           <p:cNvPr id="5" name="Marcador de pie de página 4">
             <a:extLst>
               <a:ext uri="{FF2B5EF4-FFF2-40B4-BE49-F238E27FC236}">
-                <a16:creationId xmlns:a16="http://schemas.microsoft.com/office/drawing/2014/main" id="{9AB3CB8D-FD49-F875-6648-7A5AFDEE6670}"/>
+                <a16:creationId xmlns:a16="http://schemas.microsoft.com/office/drawing/2014/main" xmlns="" id="{9AB3CB8D-FD49-F875-6648-7A5AFDEE6670}"/>
               </a:ext>
             </a:extLst>
           </p:cNvPr>
@@ -3383,7 +3415,7 @@
           <p:cNvPr id="6" name="Marcador de número de diapositiva 5">
             <a:extLst>
               <a:ext uri="{FF2B5EF4-FFF2-40B4-BE49-F238E27FC236}">
-                <a16:creationId xmlns:a16="http://schemas.microsoft.com/office/drawing/2014/main" id="{C8F19B25-DC21-1D72-2B1C-91D3BE050652}"/>
+                <a16:creationId xmlns:a16="http://schemas.microsoft.com/office/drawing/2014/main" xmlns="" id="{C8F19B25-DC21-1D72-2B1C-91D3BE050652}"/>
               </a:ext>
             </a:extLst>
           </p:cNvPr>
@@ -3401,6 +3433,7 @@
           <a:p>
             <a:fld id="{06CB209C-5953-4C44-8248-9E78D0BED06F}" type="slidenum">
               <a:rPr lang="es-ES" smtClean="0"/>
+              <a:pPr/>
               <a:t>‹Nº›</a:t>
             </a:fld>
             <a:endParaRPr lang="es-ES"/>
@@ -3410,7 +3443,7 @@
     </p:spTree>
     <p:extLst>
       <p:ext uri="{BB962C8B-B14F-4D97-AF65-F5344CB8AC3E}">
-        <p14:creationId xmlns:p14="http://schemas.microsoft.com/office/powerpoint/2010/main" val="2102904961"/>
+        <p14:creationId xmlns:p14="http://schemas.microsoft.com/office/powerpoint/2010/main" xmlns="" val="2102904961"/>
       </p:ext>
     </p:extLst>
   </p:cSld>
@@ -3442,7 +3475,7 @@
           <p:cNvPr id="2" name="Título 1">
             <a:extLst>
               <a:ext uri="{FF2B5EF4-FFF2-40B4-BE49-F238E27FC236}">
-                <a16:creationId xmlns:a16="http://schemas.microsoft.com/office/drawing/2014/main" id="{6F5336A3-F8FC-7C0C-BE41-CCEF634FF383}"/>
+                <a16:creationId xmlns:a16="http://schemas.microsoft.com/office/drawing/2014/main" xmlns="" id="{6F5336A3-F8FC-7C0C-BE41-CCEF634FF383}"/>
               </a:ext>
             </a:extLst>
           </p:cNvPr>
@@ -3470,7 +3503,7 @@
           <p:cNvPr id="3" name="Marcador de texto vertical 2">
             <a:extLst>
               <a:ext uri="{FF2B5EF4-FFF2-40B4-BE49-F238E27FC236}">
-                <a16:creationId xmlns:a16="http://schemas.microsoft.com/office/drawing/2014/main" id="{1E296560-03F7-D28D-503D-BD8D7E7C20E4}"/>
+                <a16:creationId xmlns:a16="http://schemas.microsoft.com/office/drawing/2014/main" xmlns="" id="{1E296560-03F7-D28D-503D-BD8D7E7C20E4}"/>
               </a:ext>
             </a:extLst>
           </p:cNvPr>
@@ -3527,7 +3560,7 @@
           <p:cNvPr id="4" name="Marcador de fecha 3">
             <a:extLst>
               <a:ext uri="{FF2B5EF4-FFF2-40B4-BE49-F238E27FC236}">
-                <a16:creationId xmlns:a16="http://schemas.microsoft.com/office/drawing/2014/main" id="{C41EFA91-0C7E-1C14-94C7-44AF644D799E}"/>
+                <a16:creationId xmlns:a16="http://schemas.microsoft.com/office/drawing/2014/main" xmlns="" id="{C41EFA91-0C7E-1C14-94C7-44AF644D799E}"/>
               </a:ext>
             </a:extLst>
           </p:cNvPr>
@@ -3545,6 +3578,7 @@
           <a:p>
             <a:fld id="{72A471FA-ED63-4153-8183-D123223DE17B}" type="datetimeFigureOut">
               <a:rPr lang="es-ES" smtClean="0"/>
+              <a:pPr/>
               <a:t>21/05/2024</a:t>
             </a:fld>
             <a:endParaRPr lang="es-ES"/>
@@ -3556,7 +3590,7 @@
           <p:cNvPr id="5" name="Marcador de pie de página 4">
             <a:extLst>
               <a:ext uri="{FF2B5EF4-FFF2-40B4-BE49-F238E27FC236}">
-                <a16:creationId xmlns:a16="http://schemas.microsoft.com/office/drawing/2014/main" id="{8EE8FE8B-D0AE-CF7E-40E6-4F0415DA68C3}"/>
+                <a16:creationId xmlns:a16="http://schemas.microsoft.com/office/drawing/2014/main" xmlns="" id="{8EE8FE8B-D0AE-CF7E-40E6-4F0415DA68C3}"/>
               </a:ext>
             </a:extLst>
           </p:cNvPr>
@@ -3581,7 +3615,7 @@
           <p:cNvPr id="6" name="Marcador de número de diapositiva 5">
             <a:extLst>
               <a:ext uri="{FF2B5EF4-FFF2-40B4-BE49-F238E27FC236}">
-                <a16:creationId xmlns:a16="http://schemas.microsoft.com/office/drawing/2014/main" id="{604A91AB-CD47-8C3B-C470-65B97263A5B6}"/>
+                <a16:creationId xmlns:a16="http://schemas.microsoft.com/office/drawing/2014/main" xmlns="" id="{604A91AB-CD47-8C3B-C470-65B97263A5B6}"/>
               </a:ext>
             </a:extLst>
           </p:cNvPr>
@@ -3599,6 +3633,7 @@
           <a:p>
             <a:fld id="{06CB209C-5953-4C44-8248-9E78D0BED06F}" type="slidenum">
               <a:rPr lang="es-ES" smtClean="0"/>
+              <a:pPr/>
               <a:t>‹Nº›</a:t>
             </a:fld>
             <a:endParaRPr lang="es-ES"/>
@@ -3608,7 +3643,7 @@
     </p:spTree>
     <p:extLst>
       <p:ext uri="{BB962C8B-B14F-4D97-AF65-F5344CB8AC3E}">
-        <p14:creationId xmlns:p14="http://schemas.microsoft.com/office/powerpoint/2010/main" val="2820383185"/>
+        <p14:creationId xmlns:p14="http://schemas.microsoft.com/office/powerpoint/2010/main" xmlns="" val="2820383185"/>
       </p:ext>
     </p:extLst>
   </p:cSld>
@@ -3640,7 +3675,7 @@
           <p:cNvPr id="2" name="Título vertical 1">
             <a:extLst>
               <a:ext uri="{FF2B5EF4-FFF2-40B4-BE49-F238E27FC236}">
-                <a16:creationId xmlns:a16="http://schemas.microsoft.com/office/drawing/2014/main" id="{37563101-C07F-EB65-9B10-56EA768CBAFB}"/>
+                <a16:creationId xmlns:a16="http://schemas.microsoft.com/office/drawing/2014/main" xmlns="" id="{37563101-C07F-EB65-9B10-56EA768CBAFB}"/>
               </a:ext>
             </a:extLst>
           </p:cNvPr>
@@ -3673,7 +3708,7 @@
           <p:cNvPr id="3" name="Marcador de texto vertical 2">
             <a:extLst>
               <a:ext uri="{FF2B5EF4-FFF2-40B4-BE49-F238E27FC236}">
-                <a16:creationId xmlns:a16="http://schemas.microsoft.com/office/drawing/2014/main" id="{6C2F955B-B9C5-1637-45C1-EA7999CD431F}"/>
+                <a16:creationId xmlns:a16="http://schemas.microsoft.com/office/drawing/2014/main" xmlns="" id="{6C2F955B-B9C5-1637-45C1-EA7999CD431F}"/>
               </a:ext>
             </a:extLst>
           </p:cNvPr>
@@ -3735,7 +3770,7 @@
           <p:cNvPr id="4" name="Marcador de fecha 3">
             <a:extLst>
               <a:ext uri="{FF2B5EF4-FFF2-40B4-BE49-F238E27FC236}">
-                <a16:creationId xmlns:a16="http://schemas.microsoft.com/office/drawing/2014/main" id="{2461127F-4D16-4F99-0B80-A279AB3B1128}"/>
+                <a16:creationId xmlns:a16="http://schemas.microsoft.com/office/drawing/2014/main" xmlns="" id="{2461127F-4D16-4F99-0B80-A279AB3B1128}"/>
               </a:ext>
             </a:extLst>
           </p:cNvPr>
@@ -3753,6 +3788,7 @@
           <a:p>
             <a:fld id="{72A471FA-ED63-4153-8183-D123223DE17B}" type="datetimeFigureOut">
               <a:rPr lang="es-ES" smtClean="0"/>
+              <a:pPr/>
               <a:t>21/05/2024</a:t>
             </a:fld>
             <a:endParaRPr lang="es-ES"/>
@@ -3764,7 +3800,7 @@
           <p:cNvPr id="5" name="Marcador de pie de página 4">
             <a:extLst>
               <a:ext uri="{FF2B5EF4-FFF2-40B4-BE49-F238E27FC236}">
-                <a16:creationId xmlns:a16="http://schemas.microsoft.com/office/drawing/2014/main" id="{FFD8C4E4-6AA0-CDA4-95A7-9CF6BFE7CC73}"/>
+                <a16:creationId xmlns:a16="http://schemas.microsoft.com/office/drawing/2014/main" xmlns="" id="{FFD8C4E4-6AA0-CDA4-95A7-9CF6BFE7CC73}"/>
               </a:ext>
             </a:extLst>
           </p:cNvPr>
@@ -3789,7 +3825,7 @@
           <p:cNvPr id="6" name="Marcador de número de diapositiva 5">
             <a:extLst>
               <a:ext uri="{FF2B5EF4-FFF2-40B4-BE49-F238E27FC236}">
-                <a16:creationId xmlns:a16="http://schemas.microsoft.com/office/drawing/2014/main" id="{F0023933-C4A2-42EF-775F-E38FAB4CF097}"/>
+                <a16:creationId xmlns:a16="http://schemas.microsoft.com/office/drawing/2014/main" xmlns="" id="{F0023933-C4A2-42EF-775F-E38FAB4CF097}"/>
               </a:ext>
             </a:extLst>
           </p:cNvPr>
@@ -3807,6 +3843,7 @@
           <a:p>
             <a:fld id="{06CB209C-5953-4C44-8248-9E78D0BED06F}" type="slidenum">
               <a:rPr lang="es-ES" smtClean="0"/>
+              <a:pPr/>
               <a:t>‹Nº›</a:t>
             </a:fld>
             <a:endParaRPr lang="es-ES"/>
@@ -3816,7 +3853,7 @@
     </p:spTree>
     <p:extLst>
       <p:ext uri="{BB962C8B-B14F-4D97-AF65-F5344CB8AC3E}">
-        <p14:creationId xmlns:p14="http://schemas.microsoft.com/office/powerpoint/2010/main" val="1710783900"/>
+        <p14:creationId xmlns:p14="http://schemas.microsoft.com/office/powerpoint/2010/main" xmlns="" val="1710783900"/>
       </p:ext>
     </p:extLst>
   </p:cSld>
@@ -3848,7 +3885,7 @@
           <p:cNvPr id="2" name="Título 1">
             <a:extLst>
               <a:ext uri="{FF2B5EF4-FFF2-40B4-BE49-F238E27FC236}">
-                <a16:creationId xmlns:a16="http://schemas.microsoft.com/office/drawing/2014/main" id="{56EEFF89-F445-1323-7514-95EEB65790AB}"/>
+                <a16:creationId xmlns:a16="http://schemas.microsoft.com/office/drawing/2014/main" xmlns="" id="{56EEFF89-F445-1323-7514-95EEB65790AB}"/>
               </a:ext>
             </a:extLst>
           </p:cNvPr>
@@ -3876,7 +3913,7 @@
           <p:cNvPr id="3" name="Marcador de contenido 2">
             <a:extLst>
               <a:ext uri="{FF2B5EF4-FFF2-40B4-BE49-F238E27FC236}">
-                <a16:creationId xmlns:a16="http://schemas.microsoft.com/office/drawing/2014/main" id="{C6865EA0-1DCE-8D56-156E-F6D4098C9FEF}"/>
+                <a16:creationId xmlns:a16="http://schemas.microsoft.com/office/drawing/2014/main" xmlns="" id="{C6865EA0-1DCE-8D56-156E-F6D4098C9FEF}"/>
               </a:ext>
             </a:extLst>
           </p:cNvPr>
@@ -3933,7 +3970,7 @@
           <p:cNvPr id="4" name="Marcador de fecha 3">
             <a:extLst>
               <a:ext uri="{FF2B5EF4-FFF2-40B4-BE49-F238E27FC236}">
-                <a16:creationId xmlns:a16="http://schemas.microsoft.com/office/drawing/2014/main" id="{710A8288-5324-674E-EE1D-7460E9CDED76}"/>
+                <a16:creationId xmlns:a16="http://schemas.microsoft.com/office/drawing/2014/main" xmlns="" id="{710A8288-5324-674E-EE1D-7460E9CDED76}"/>
               </a:ext>
             </a:extLst>
           </p:cNvPr>
@@ -3951,6 +3988,7 @@
           <a:p>
             <a:fld id="{72A471FA-ED63-4153-8183-D123223DE17B}" type="datetimeFigureOut">
               <a:rPr lang="es-ES" smtClean="0"/>
+              <a:pPr/>
               <a:t>21/05/2024</a:t>
             </a:fld>
             <a:endParaRPr lang="es-ES"/>
@@ -3962,7 +4000,7 @@
           <p:cNvPr id="5" name="Marcador de pie de página 4">
             <a:extLst>
               <a:ext uri="{FF2B5EF4-FFF2-40B4-BE49-F238E27FC236}">
-                <a16:creationId xmlns:a16="http://schemas.microsoft.com/office/drawing/2014/main" id="{BB6B3446-A0AA-0BD1-5895-4B4CA5D0BB25}"/>
+                <a16:creationId xmlns:a16="http://schemas.microsoft.com/office/drawing/2014/main" xmlns="" id="{BB6B3446-A0AA-0BD1-5895-4B4CA5D0BB25}"/>
               </a:ext>
             </a:extLst>
           </p:cNvPr>
@@ -3987,7 +4025,7 @@
           <p:cNvPr id="6" name="Marcador de número de diapositiva 5">
             <a:extLst>
               <a:ext uri="{FF2B5EF4-FFF2-40B4-BE49-F238E27FC236}">
-                <a16:creationId xmlns:a16="http://schemas.microsoft.com/office/drawing/2014/main" id="{F6F7B6F3-8BBE-5535-3133-86AED6C7B60C}"/>
+                <a16:creationId xmlns:a16="http://schemas.microsoft.com/office/drawing/2014/main" xmlns="" id="{F6F7B6F3-8BBE-5535-3133-86AED6C7B60C}"/>
               </a:ext>
             </a:extLst>
           </p:cNvPr>
@@ -4005,6 +4043,7 @@
           <a:p>
             <a:fld id="{06CB209C-5953-4C44-8248-9E78D0BED06F}" type="slidenum">
               <a:rPr lang="es-ES" smtClean="0"/>
+              <a:pPr/>
               <a:t>‹Nº›</a:t>
             </a:fld>
             <a:endParaRPr lang="es-ES"/>
@@ -4014,7 +4053,7 @@
     </p:spTree>
     <p:extLst>
       <p:ext uri="{BB962C8B-B14F-4D97-AF65-F5344CB8AC3E}">
-        <p14:creationId xmlns:p14="http://schemas.microsoft.com/office/powerpoint/2010/main" val="3794323034"/>
+        <p14:creationId xmlns:p14="http://schemas.microsoft.com/office/powerpoint/2010/main" xmlns="" val="3794323034"/>
       </p:ext>
     </p:extLst>
   </p:cSld>
@@ -4046,7 +4085,7 @@
           <p:cNvPr id="2" name="Título 1">
             <a:extLst>
               <a:ext uri="{FF2B5EF4-FFF2-40B4-BE49-F238E27FC236}">
-                <a16:creationId xmlns:a16="http://schemas.microsoft.com/office/drawing/2014/main" id="{E9AB52A3-0F66-92C2-2A3D-1F4098CD007E}"/>
+                <a16:creationId xmlns:a16="http://schemas.microsoft.com/office/drawing/2014/main" xmlns="" id="{E9AB52A3-0F66-92C2-2A3D-1F4098CD007E}"/>
               </a:ext>
             </a:extLst>
           </p:cNvPr>
@@ -4083,7 +4122,7 @@
           <p:cNvPr id="3" name="Marcador de texto 2">
             <a:extLst>
               <a:ext uri="{FF2B5EF4-FFF2-40B4-BE49-F238E27FC236}">
-                <a16:creationId xmlns:a16="http://schemas.microsoft.com/office/drawing/2014/main" id="{038CFF21-EB9A-2B2E-8AC4-905B52568773}"/>
+                <a16:creationId xmlns:a16="http://schemas.microsoft.com/office/drawing/2014/main" xmlns="" id="{038CFF21-EB9A-2B2E-8AC4-905B52568773}"/>
               </a:ext>
             </a:extLst>
           </p:cNvPr>
@@ -4208,7 +4247,7 @@
           <p:cNvPr id="4" name="Marcador de fecha 3">
             <a:extLst>
               <a:ext uri="{FF2B5EF4-FFF2-40B4-BE49-F238E27FC236}">
-                <a16:creationId xmlns:a16="http://schemas.microsoft.com/office/drawing/2014/main" id="{7FD3FA5A-ABEB-BB29-E4C9-5D94FB806366}"/>
+                <a16:creationId xmlns:a16="http://schemas.microsoft.com/office/drawing/2014/main" xmlns="" id="{7FD3FA5A-ABEB-BB29-E4C9-5D94FB806366}"/>
               </a:ext>
             </a:extLst>
           </p:cNvPr>
@@ -4226,6 +4265,7 @@
           <a:p>
             <a:fld id="{72A471FA-ED63-4153-8183-D123223DE17B}" type="datetimeFigureOut">
               <a:rPr lang="es-ES" smtClean="0"/>
+              <a:pPr/>
               <a:t>21/05/2024</a:t>
             </a:fld>
             <a:endParaRPr lang="es-ES"/>
@@ -4237,7 +4277,7 @@
           <p:cNvPr id="5" name="Marcador de pie de página 4">
             <a:extLst>
               <a:ext uri="{FF2B5EF4-FFF2-40B4-BE49-F238E27FC236}">
-                <a16:creationId xmlns:a16="http://schemas.microsoft.com/office/drawing/2014/main" id="{B0DDC4BA-8449-ED18-69AC-21EF3E6BA25B}"/>
+                <a16:creationId xmlns:a16="http://schemas.microsoft.com/office/drawing/2014/main" xmlns="" id="{B0DDC4BA-8449-ED18-69AC-21EF3E6BA25B}"/>
               </a:ext>
             </a:extLst>
           </p:cNvPr>
@@ -4262,7 +4302,7 @@
           <p:cNvPr id="6" name="Marcador de número de diapositiva 5">
             <a:extLst>
               <a:ext uri="{FF2B5EF4-FFF2-40B4-BE49-F238E27FC236}">
-                <a16:creationId xmlns:a16="http://schemas.microsoft.com/office/drawing/2014/main" id="{526976DC-F8FA-5EAD-FA64-0796FE599827}"/>
+                <a16:creationId xmlns:a16="http://schemas.microsoft.com/office/drawing/2014/main" xmlns="" id="{526976DC-F8FA-5EAD-FA64-0796FE599827}"/>
               </a:ext>
             </a:extLst>
           </p:cNvPr>
@@ -4280,6 +4320,7 @@
           <a:p>
             <a:fld id="{06CB209C-5953-4C44-8248-9E78D0BED06F}" type="slidenum">
               <a:rPr lang="es-ES" smtClean="0"/>
+              <a:pPr/>
               <a:t>‹Nº›</a:t>
             </a:fld>
             <a:endParaRPr lang="es-ES"/>
@@ -4289,7 +4330,7 @@
     </p:spTree>
     <p:extLst>
       <p:ext uri="{BB962C8B-B14F-4D97-AF65-F5344CB8AC3E}">
-        <p14:creationId xmlns:p14="http://schemas.microsoft.com/office/powerpoint/2010/main" val="1510408233"/>
+        <p14:creationId xmlns:p14="http://schemas.microsoft.com/office/powerpoint/2010/main" xmlns="" val="1510408233"/>
       </p:ext>
     </p:extLst>
   </p:cSld>
@@ -4321,7 +4362,7 @@
           <p:cNvPr id="2" name="Título 1">
             <a:extLst>
               <a:ext uri="{FF2B5EF4-FFF2-40B4-BE49-F238E27FC236}">
-                <a16:creationId xmlns:a16="http://schemas.microsoft.com/office/drawing/2014/main" id="{49997AC6-5B0D-C10B-DB3B-C941F7DDE881}"/>
+                <a16:creationId xmlns:a16="http://schemas.microsoft.com/office/drawing/2014/main" xmlns="" id="{49997AC6-5B0D-C10B-DB3B-C941F7DDE881}"/>
               </a:ext>
             </a:extLst>
           </p:cNvPr>
@@ -4349,7 +4390,7 @@
           <p:cNvPr id="3" name="Marcador de contenido 2">
             <a:extLst>
               <a:ext uri="{FF2B5EF4-FFF2-40B4-BE49-F238E27FC236}">
-                <a16:creationId xmlns:a16="http://schemas.microsoft.com/office/drawing/2014/main" id="{76B37211-3564-2488-CA5B-A972C2CAD3BF}"/>
+                <a16:creationId xmlns:a16="http://schemas.microsoft.com/office/drawing/2014/main" xmlns="" id="{76B37211-3564-2488-CA5B-A972C2CAD3BF}"/>
               </a:ext>
             </a:extLst>
           </p:cNvPr>
@@ -4411,7 +4452,7 @@
           <p:cNvPr id="4" name="Marcador de contenido 3">
             <a:extLst>
               <a:ext uri="{FF2B5EF4-FFF2-40B4-BE49-F238E27FC236}">
-                <a16:creationId xmlns:a16="http://schemas.microsoft.com/office/drawing/2014/main" id="{8DA400C6-43E6-2B8E-2454-6987B0938233}"/>
+                <a16:creationId xmlns:a16="http://schemas.microsoft.com/office/drawing/2014/main" xmlns="" id="{8DA400C6-43E6-2B8E-2454-6987B0938233}"/>
               </a:ext>
             </a:extLst>
           </p:cNvPr>
@@ -4473,7 +4514,7 @@
           <p:cNvPr id="5" name="Marcador de fecha 4">
             <a:extLst>
               <a:ext uri="{FF2B5EF4-FFF2-40B4-BE49-F238E27FC236}">
-                <a16:creationId xmlns:a16="http://schemas.microsoft.com/office/drawing/2014/main" id="{983161A5-EB11-8255-29A9-9AF6F09092EA}"/>
+                <a16:creationId xmlns:a16="http://schemas.microsoft.com/office/drawing/2014/main" xmlns="" id="{983161A5-EB11-8255-29A9-9AF6F09092EA}"/>
               </a:ext>
             </a:extLst>
           </p:cNvPr>
@@ -4491,6 +4532,7 @@
           <a:p>
             <a:fld id="{72A471FA-ED63-4153-8183-D123223DE17B}" type="datetimeFigureOut">
               <a:rPr lang="es-ES" smtClean="0"/>
+              <a:pPr/>
               <a:t>21/05/2024</a:t>
             </a:fld>
             <a:endParaRPr lang="es-ES"/>
@@ -4502,7 +4544,7 @@
           <p:cNvPr id="6" name="Marcador de pie de página 5">
             <a:extLst>
               <a:ext uri="{FF2B5EF4-FFF2-40B4-BE49-F238E27FC236}">
-                <a16:creationId xmlns:a16="http://schemas.microsoft.com/office/drawing/2014/main" id="{5ED4BC68-FD73-CD37-00A3-FDF611C15C58}"/>
+                <a16:creationId xmlns:a16="http://schemas.microsoft.com/office/drawing/2014/main" xmlns="" id="{5ED4BC68-FD73-CD37-00A3-FDF611C15C58}"/>
               </a:ext>
             </a:extLst>
           </p:cNvPr>
@@ -4527,7 +4569,7 @@
           <p:cNvPr id="7" name="Marcador de número de diapositiva 6">
             <a:extLst>
               <a:ext uri="{FF2B5EF4-FFF2-40B4-BE49-F238E27FC236}">
-                <a16:creationId xmlns:a16="http://schemas.microsoft.com/office/drawing/2014/main" id="{CE7A0CD2-9660-5472-A63C-44612834D133}"/>
+                <a16:creationId xmlns:a16="http://schemas.microsoft.com/office/drawing/2014/main" xmlns="" id="{CE7A0CD2-9660-5472-A63C-44612834D133}"/>
               </a:ext>
             </a:extLst>
           </p:cNvPr>
@@ -4545,6 +4587,7 @@
           <a:p>
             <a:fld id="{06CB209C-5953-4C44-8248-9E78D0BED06F}" type="slidenum">
               <a:rPr lang="es-ES" smtClean="0"/>
+              <a:pPr/>
               <a:t>‹Nº›</a:t>
             </a:fld>
             <a:endParaRPr lang="es-ES"/>
@@ -4554,7 +4597,7 @@
     </p:spTree>
     <p:extLst>
       <p:ext uri="{BB962C8B-B14F-4D97-AF65-F5344CB8AC3E}">
-        <p14:creationId xmlns:p14="http://schemas.microsoft.com/office/powerpoint/2010/main" val="1916746164"/>
+        <p14:creationId xmlns:p14="http://schemas.microsoft.com/office/powerpoint/2010/main" xmlns="" val="1916746164"/>
       </p:ext>
     </p:extLst>
   </p:cSld>
@@ -4586,7 +4629,7 @@
           <p:cNvPr id="2" name="Título 1">
             <a:extLst>
               <a:ext uri="{FF2B5EF4-FFF2-40B4-BE49-F238E27FC236}">
-                <a16:creationId xmlns:a16="http://schemas.microsoft.com/office/drawing/2014/main" id="{74C4FBA3-507C-B82C-7226-399DCCB9A8F2}"/>
+                <a16:creationId xmlns:a16="http://schemas.microsoft.com/office/drawing/2014/main" xmlns="" id="{74C4FBA3-507C-B82C-7226-399DCCB9A8F2}"/>
               </a:ext>
             </a:extLst>
           </p:cNvPr>
@@ -4619,7 +4662,7 @@
           <p:cNvPr id="3" name="Marcador de texto 2">
             <a:extLst>
               <a:ext uri="{FF2B5EF4-FFF2-40B4-BE49-F238E27FC236}">
-                <a16:creationId xmlns:a16="http://schemas.microsoft.com/office/drawing/2014/main" id="{20064F93-08C6-C845-1872-B3FECD8D0A6F}"/>
+                <a16:creationId xmlns:a16="http://schemas.microsoft.com/office/drawing/2014/main" xmlns="" id="{20064F93-08C6-C845-1872-B3FECD8D0A6F}"/>
               </a:ext>
             </a:extLst>
           </p:cNvPr>
@@ -4690,7 +4733,7 @@
           <p:cNvPr id="4" name="Marcador de contenido 3">
             <a:extLst>
               <a:ext uri="{FF2B5EF4-FFF2-40B4-BE49-F238E27FC236}">
-                <a16:creationId xmlns:a16="http://schemas.microsoft.com/office/drawing/2014/main" id="{C6D2378E-1E3C-7266-83C1-F859A1A32803}"/>
+                <a16:creationId xmlns:a16="http://schemas.microsoft.com/office/drawing/2014/main" xmlns="" id="{C6D2378E-1E3C-7266-83C1-F859A1A32803}"/>
               </a:ext>
             </a:extLst>
           </p:cNvPr>
@@ -4752,7 +4795,7 @@
           <p:cNvPr id="5" name="Marcador de texto 4">
             <a:extLst>
               <a:ext uri="{FF2B5EF4-FFF2-40B4-BE49-F238E27FC236}">
-                <a16:creationId xmlns:a16="http://schemas.microsoft.com/office/drawing/2014/main" id="{410C8328-102F-E32E-AE68-69690024BDD5}"/>
+                <a16:creationId xmlns:a16="http://schemas.microsoft.com/office/drawing/2014/main" xmlns="" id="{410C8328-102F-E32E-AE68-69690024BDD5}"/>
               </a:ext>
             </a:extLst>
           </p:cNvPr>
@@ -4823,7 +4866,7 @@
           <p:cNvPr id="6" name="Marcador de contenido 5">
             <a:extLst>
               <a:ext uri="{FF2B5EF4-FFF2-40B4-BE49-F238E27FC236}">
-                <a16:creationId xmlns:a16="http://schemas.microsoft.com/office/drawing/2014/main" id="{7785AD66-3F90-9700-2B14-FFB4CB54C2E1}"/>
+                <a16:creationId xmlns:a16="http://schemas.microsoft.com/office/drawing/2014/main" xmlns="" id="{7785AD66-3F90-9700-2B14-FFB4CB54C2E1}"/>
               </a:ext>
             </a:extLst>
           </p:cNvPr>
@@ -4885,7 +4928,7 @@
           <p:cNvPr id="7" name="Marcador de fecha 6">
             <a:extLst>
               <a:ext uri="{FF2B5EF4-FFF2-40B4-BE49-F238E27FC236}">
-                <a16:creationId xmlns:a16="http://schemas.microsoft.com/office/drawing/2014/main" id="{125DDBC4-264C-A376-4E15-CBFCE762B276}"/>
+                <a16:creationId xmlns:a16="http://schemas.microsoft.com/office/drawing/2014/main" xmlns="" id="{125DDBC4-264C-A376-4E15-CBFCE762B276}"/>
               </a:ext>
             </a:extLst>
           </p:cNvPr>
@@ -4903,6 +4946,7 @@
           <a:p>
             <a:fld id="{72A471FA-ED63-4153-8183-D123223DE17B}" type="datetimeFigureOut">
               <a:rPr lang="es-ES" smtClean="0"/>
+              <a:pPr/>
               <a:t>21/05/2024</a:t>
             </a:fld>
             <a:endParaRPr lang="es-ES"/>
@@ -4914,7 +4958,7 @@
           <p:cNvPr id="8" name="Marcador de pie de página 7">
             <a:extLst>
               <a:ext uri="{FF2B5EF4-FFF2-40B4-BE49-F238E27FC236}">
-                <a16:creationId xmlns:a16="http://schemas.microsoft.com/office/drawing/2014/main" id="{80E292A0-7AAF-BD4F-6CA1-D99CD8D9966F}"/>
+                <a16:creationId xmlns:a16="http://schemas.microsoft.com/office/drawing/2014/main" xmlns="" id="{80E292A0-7AAF-BD4F-6CA1-D99CD8D9966F}"/>
               </a:ext>
             </a:extLst>
           </p:cNvPr>
@@ -4939,7 +4983,7 @@
           <p:cNvPr id="9" name="Marcador de número de diapositiva 8">
             <a:extLst>
               <a:ext uri="{FF2B5EF4-FFF2-40B4-BE49-F238E27FC236}">
-                <a16:creationId xmlns:a16="http://schemas.microsoft.com/office/drawing/2014/main" id="{F4D59E03-4F3E-5FE2-7020-547E8B82FBE1}"/>
+                <a16:creationId xmlns:a16="http://schemas.microsoft.com/office/drawing/2014/main" xmlns="" id="{F4D59E03-4F3E-5FE2-7020-547E8B82FBE1}"/>
               </a:ext>
             </a:extLst>
           </p:cNvPr>
@@ -4957,6 +5001,7 @@
           <a:p>
             <a:fld id="{06CB209C-5953-4C44-8248-9E78D0BED06F}" type="slidenum">
               <a:rPr lang="es-ES" smtClean="0"/>
+              <a:pPr/>
               <a:t>‹Nº›</a:t>
             </a:fld>
             <a:endParaRPr lang="es-ES"/>
@@ -4966,7 +5011,7 @@
     </p:spTree>
     <p:extLst>
       <p:ext uri="{BB962C8B-B14F-4D97-AF65-F5344CB8AC3E}">
-        <p14:creationId xmlns:p14="http://schemas.microsoft.com/office/powerpoint/2010/main" val="3905683214"/>
+        <p14:creationId xmlns:p14="http://schemas.microsoft.com/office/powerpoint/2010/main" xmlns="" val="3905683214"/>
       </p:ext>
     </p:extLst>
   </p:cSld>
@@ -4998,7 +5043,7 @@
           <p:cNvPr id="2" name="Título 1">
             <a:extLst>
               <a:ext uri="{FF2B5EF4-FFF2-40B4-BE49-F238E27FC236}">
-                <a16:creationId xmlns:a16="http://schemas.microsoft.com/office/drawing/2014/main" id="{6359E038-DC4C-997D-3BE5-DF4CE9DEB4F3}"/>
+                <a16:creationId xmlns:a16="http://schemas.microsoft.com/office/drawing/2014/main" xmlns="" id="{6359E038-DC4C-997D-3BE5-DF4CE9DEB4F3}"/>
               </a:ext>
             </a:extLst>
           </p:cNvPr>
@@ -5026,7 +5071,7 @@
           <p:cNvPr id="3" name="Marcador de fecha 2">
             <a:extLst>
               <a:ext uri="{FF2B5EF4-FFF2-40B4-BE49-F238E27FC236}">
-                <a16:creationId xmlns:a16="http://schemas.microsoft.com/office/drawing/2014/main" id="{5EE480ED-89DE-C3D2-24FD-591F8A3B9B7C}"/>
+                <a16:creationId xmlns:a16="http://schemas.microsoft.com/office/drawing/2014/main" xmlns="" id="{5EE480ED-89DE-C3D2-24FD-591F8A3B9B7C}"/>
               </a:ext>
             </a:extLst>
           </p:cNvPr>
@@ -5044,6 +5089,7 @@
           <a:p>
             <a:fld id="{72A471FA-ED63-4153-8183-D123223DE17B}" type="datetimeFigureOut">
               <a:rPr lang="es-ES" smtClean="0"/>
+              <a:pPr/>
               <a:t>21/05/2024</a:t>
             </a:fld>
             <a:endParaRPr lang="es-ES"/>
@@ -5055,7 +5101,7 @@
           <p:cNvPr id="4" name="Marcador de pie de página 3">
             <a:extLst>
               <a:ext uri="{FF2B5EF4-FFF2-40B4-BE49-F238E27FC236}">
-                <a16:creationId xmlns:a16="http://schemas.microsoft.com/office/drawing/2014/main" id="{9B1C2A8D-039A-2618-DE70-688C4FA087BF}"/>
+                <a16:creationId xmlns:a16="http://schemas.microsoft.com/office/drawing/2014/main" xmlns="" id="{9B1C2A8D-039A-2618-DE70-688C4FA087BF}"/>
               </a:ext>
             </a:extLst>
           </p:cNvPr>
@@ -5080,7 +5126,7 @@
           <p:cNvPr id="5" name="Marcador de número de diapositiva 4">
             <a:extLst>
               <a:ext uri="{FF2B5EF4-FFF2-40B4-BE49-F238E27FC236}">
-                <a16:creationId xmlns:a16="http://schemas.microsoft.com/office/drawing/2014/main" id="{DC48DB13-B34F-39D8-0747-17449E9614C1}"/>
+                <a16:creationId xmlns:a16="http://schemas.microsoft.com/office/drawing/2014/main" xmlns="" id="{DC48DB13-B34F-39D8-0747-17449E9614C1}"/>
               </a:ext>
             </a:extLst>
           </p:cNvPr>
@@ -5098,6 +5144,7 @@
           <a:p>
             <a:fld id="{06CB209C-5953-4C44-8248-9E78D0BED06F}" type="slidenum">
               <a:rPr lang="es-ES" smtClean="0"/>
+              <a:pPr/>
               <a:t>‹Nº›</a:t>
             </a:fld>
             <a:endParaRPr lang="es-ES"/>
@@ -5107,7 +5154,7 @@
     </p:spTree>
     <p:extLst>
       <p:ext uri="{BB962C8B-B14F-4D97-AF65-F5344CB8AC3E}">
-        <p14:creationId xmlns:p14="http://schemas.microsoft.com/office/powerpoint/2010/main" val="3756397789"/>
+        <p14:creationId xmlns:p14="http://schemas.microsoft.com/office/powerpoint/2010/main" xmlns="" val="3756397789"/>
       </p:ext>
     </p:extLst>
   </p:cSld>
@@ -5139,7 +5186,7 @@
           <p:cNvPr id="2" name="Marcador de fecha 1">
             <a:extLst>
               <a:ext uri="{FF2B5EF4-FFF2-40B4-BE49-F238E27FC236}">
-                <a16:creationId xmlns:a16="http://schemas.microsoft.com/office/drawing/2014/main" id="{3836F783-71B5-867D-B60E-20E9562F1A7B}"/>
+                <a16:creationId xmlns:a16="http://schemas.microsoft.com/office/drawing/2014/main" xmlns="" id="{3836F783-71B5-867D-B60E-20E9562F1A7B}"/>
               </a:ext>
             </a:extLst>
           </p:cNvPr>
@@ -5157,6 +5204,7 @@
           <a:p>
             <a:fld id="{72A471FA-ED63-4153-8183-D123223DE17B}" type="datetimeFigureOut">
               <a:rPr lang="es-ES" smtClean="0"/>
+              <a:pPr/>
               <a:t>21/05/2024</a:t>
             </a:fld>
             <a:endParaRPr lang="es-ES"/>
@@ -5168,7 +5216,7 @@
           <p:cNvPr id="3" name="Marcador de pie de página 2">
             <a:extLst>
               <a:ext uri="{FF2B5EF4-FFF2-40B4-BE49-F238E27FC236}">
-                <a16:creationId xmlns:a16="http://schemas.microsoft.com/office/drawing/2014/main" id="{47368D85-1700-522D-0789-FB6243296512}"/>
+                <a16:creationId xmlns:a16="http://schemas.microsoft.com/office/drawing/2014/main" xmlns="" id="{47368D85-1700-522D-0789-FB6243296512}"/>
               </a:ext>
             </a:extLst>
           </p:cNvPr>
@@ -5193,7 +5241,7 @@
           <p:cNvPr id="4" name="Marcador de número de diapositiva 3">
             <a:extLst>
               <a:ext uri="{FF2B5EF4-FFF2-40B4-BE49-F238E27FC236}">
-                <a16:creationId xmlns:a16="http://schemas.microsoft.com/office/drawing/2014/main" id="{FEFC7692-F42F-2E5D-7D72-5BB726FA43AD}"/>
+                <a16:creationId xmlns:a16="http://schemas.microsoft.com/office/drawing/2014/main" xmlns="" id="{FEFC7692-F42F-2E5D-7D72-5BB726FA43AD}"/>
               </a:ext>
             </a:extLst>
           </p:cNvPr>
@@ -5211,6 +5259,7 @@
           <a:p>
             <a:fld id="{06CB209C-5953-4C44-8248-9E78D0BED06F}" type="slidenum">
               <a:rPr lang="es-ES" smtClean="0"/>
+              <a:pPr/>
               <a:t>‹Nº›</a:t>
             </a:fld>
             <a:endParaRPr lang="es-ES"/>
@@ -5220,7 +5269,7 @@
     </p:spTree>
     <p:extLst>
       <p:ext uri="{BB962C8B-B14F-4D97-AF65-F5344CB8AC3E}">
-        <p14:creationId xmlns:p14="http://schemas.microsoft.com/office/powerpoint/2010/main" val="1055229483"/>
+        <p14:creationId xmlns:p14="http://schemas.microsoft.com/office/powerpoint/2010/main" xmlns="" val="1055229483"/>
       </p:ext>
     </p:extLst>
   </p:cSld>
@@ -5252,7 +5301,7 @@
           <p:cNvPr id="2" name="Título 1">
             <a:extLst>
               <a:ext uri="{FF2B5EF4-FFF2-40B4-BE49-F238E27FC236}">
-                <a16:creationId xmlns:a16="http://schemas.microsoft.com/office/drawing/2014/main" id="{2156F869-6848-8860-B89C-C3690315A6BB}"/>
+                <a16:creationId xmlns:a16="http://schemas.microsoft.com/office/drawing/2014/main" xmlns="" id="{2156F869-6848-8860-B89C-C3690315A6BB}"/>
               </a:ext>
             </a:extLst>
           </p:cNvPr>
@@ -5289,7 +5338,7 @@
           <p:cNvPr id="3" name="Marcador de contenido 2">
             <a:extLst>
               <a:ext uri="{FF2B5EF4-FFF2-40B4-BE49-F238E27FC236}">
-                <a16:creationId xmlns:a16="http://schemas.microsoft.com/office/drawing/2014/main" id="{0611B47F-336F-5237-053F-B313B1845E02}"/>
+                <a16:creationId xmlns:a16="http://schemas.microsoft.com/office/drawing/2014/main" xmlns="" id="{0611B47F-336F-5237-053F-B313B1845E02}"/>
               </a:ext>
             </a:extLst>
           </p:cNvPr>
@@ -5379,7 +5428,7 @@
           <p:cNvPr id="4" name="Marcador de texto 3">
             <a:extLst>
               <a:ext uri="{FF2B5EF4-FFF2-40B4-BE49-F238E27FC236}">
-                <a16:creationId xmlns:a16="http://schemas.microsoft.com/office/drawing/2014/main" id="{9F0590CE-D63F-B626-EB9C-01F02FB9D295}"/>
+                <a16:creationId xmlns:a16="http://schemas.microsoft.com/office/drawing/2014/main" xmlns="" id="{9F0590CE-D63F-B626-EB9C-01F02FB9D295}"/>
               </a:ext>
             </a:extLst>
           </p:cNvPr>
@@ -5450,7 +5499,7 @@
           <p:cNvPr id="5" name="Marcador de fecha 4">
             <a:extLst>
               <a:ext uri="{FF2B5EF4-FFF2-40B4-BE49-F238E27FC236}">
-                <a16:creationId xmlns:a16="http://schemas.microsoft.com/office/drawing/2014/main" id="{4EA1A4C7-D047-5260-0BFE-402C71369880}"/>
+                <a16:creationId xmlns:a16="http://schemas.microsoft.com/office/drawing/2014/main" xmlns="" id="{4EA1A4C7-D047-5260-0BFE-402C71369880}"/>
               </a:ext>
             </a:extLst>
           </p:cNvPr>
@@ -5468,6 +5517,7 @@
           <a:p>
             <a:fld id="{72A471FA-ED63-4153-8183-D123223DE17B}" type="datetimeFigureOut">
               <a:rPr lang="es-ES" smtClean="0"/>
+              <a:pPr/>
               <a:t>21/05/2024</a:t>
             </a:fld>
             <a:endParaRPr lang="es-ES"/>
@@ -5479,7 +5529,7 @@
           <p:cNvPr id="6" name="Marcador de pie de página 5">
             <a:extLst>
               <a:ext uri="{FF2B5EF4-FFF2-40B4-BE49-F238E27FC236}">
-                <a16:creationId xmlns:a16="http://schemas.microsoft.com/office/drawing/2014/main" id="{62B9BDD1-A1E4-2D02-072B-EFE4A5A4FB59}"/>
+                <a16:creationId xmlns:a16="http://schemas.microsoft.com/office/drawing/2014/main" xmlns="" id="{62B9BDD1-A1E4-2D02-072B-EFE4A5A4FB59}"/>
               </a:ext>
             </a:extLst>
           </p:cNvPr>
@@ -5504,7 +5554,7 @@
           <p:cNvPr id="7" name="Marcador de número de diapositiva 6">
             <a:extLst>
               <a:ext uri="{FF2B5EF4-FFF2-40B4-BE49-F238E27FC236}">
-                <a16:creationId xmlns:a16="http://schemas.microsoft.com/office/drawing/2014/main" id="{4E0EE15D-BCAE-EE08-B010-39154A0CF9F4}"/>
+                <a16:creationId xmlns:a16="http://schemas.microsoft.com/office/drawing/2014/main" xmlns="" id="{4E0EE15D-BCAE-EE08-B010-39154A0CF9F4}"/>
               </a:ext>
             </a:extLst>
           </p:cNvPr>
@@ -5522,6 +5572,7 @@
           <a:p>
             <a:fld id="{06CB209C-5953-4C44-8248-9E78D0BED06F}" type="slidenum">
               <a:rPr lang="es-ES" smtClean="0"/>
+              <a:pPr/>
               <a:t>‹Nº›</a:t>
             </a:fld>
             <a:endParaRPr lang="es-ES"/>
@@ -5531,7 +5582,7 @@
     </p:spTree>
     <p:extLst>
       <p:ext uri="{BB962C8B-B14F-4D97-AF65-F5344CB8AC3E}">
-        <p14:creationId xmlns:p14="http://schemas.microsoft.com/office/powerpoint/2010/main" val="1969299170"/>
+        <p14:creationId xmlns:p14="http://schemas.microsoft.com/office/powerpoint/2010/main" xmlns="" val="1969299170"/>
       </p:ext>
     </p:extLst>
   </p:cSld>
@@ -5563,7 +5614,7 @@
           <p:cNvPr id="2" name="Título 1">
             <a:extLst>
               <a:ext uri="{FF2B5EF4-FFF2-40B4-BE49-F238E27FC236}">
-                <a16:creationId xmlns:a16="http://schemas.microsoft.com/office/drawing/2014/main" id="{3B1B4C87-8ABC-E988-54F9-A94E4B6A5CEF}"/>
+                <a16:creationId xmlns:a16="http://schemas.microsoft.com/office/drawing/2014/main" xmlns="" id="{3B1B4C87-8ABC-E988-54F9-A94E4B6A5CEF}"/>
               </a:ext>
             </a:extLst>
           </p:cNvPr>
@@ -5600,7 +5651,7 @@
           <p:cNvPr id="3" name="Marcador de posición de imagen 2">
             <a:extLst>
               <a:ext uri="{FF2B5EF4-FFF2-40B4-BE49-F238E27FC236}">
-                <a16:creationId xmlns:a16="http://schemas.microsoft.com/office/drawing/2014/main" id="{927D1BFD-F696-425D-2272-B28E2D59A95F}"/>
+                <a16:creationId xmlns:a16="http://schemas.microsoft.com/office/drawing/2014/main" xmlns="" id="{927D1BFD-F696-425D-2272-B28E2D59A95F}"/>
               </a:ext>
             </a:extLst>
           </p:cNvPr>
@@ -5667,7 +5718,7 @@
           <p:cNvPr id="4" name="Marcador de texto 3">
             <a:extLst>
               <a:ext uri="{FF2B5EF4-FFF2-40B4-BE49-F238E27FC236}">
-                <a16:creationId xmlns:a16="http://schemas.microsoft.com/office/drawing/2014/main" id="{D5E1B33E-981D-8916-B7EC-99AFF33B3DEB}"/>
+                <a16:creationId xmlns:a16="http://schemas.microsoft.com/office/drawing/2014/main" xmlns="" id="{D5E1B33E-981D-8916-B7EC-99AFF33B3DEB}"/>
               </a:ext>
             </a:extLst>
           </p:cNvPr>
@@ -5738,7 +5789,7 @@
           <p:cNvPr id="5" name="Marcador de fecha 4">
             <a:extLst>
               <a:ext uri="{FF2B5EF4-FFF2-40B4-BE49-F238E27FC236}">
-                <a16:creationId xmlns:a16="http://schemas.microsoft.com/office/drawing/2014/main" id="{E1D81E73-E613-75F2-044E-911AC202D651}"/>
+                <a16:creationId xmlns:a16="http://schemas.microsoft.com/office/drawing/2014/main" xmlns="" id="{E1D81E73-E613-75F2-044E-911AC202D651}"/>
               </a:ext>
             </a:extLst>
           </p:cNvPr>
@@ -5756,6 +5807,7 @@
           <a:p>
             <a:fld id="{72A471FA-ED63-4153-8183-D123223DE17B}" type="datetimeFigureOut">
               <a:rPr lang="es-ES" smtClean="0"/>
+              <a:pPr/>
               <a:t>21/05/2024</a:t>
             </a:fld>
             <a:endParaRPr lang="es-ES"/>
@@ -5767,7 +5819,7 @@
           <p:cNvPr id="6" name="Marcador de pie de página 5">
             <a:extLst>
               <a:ext uri="{FF2B5EF4-FFF2-40B4-BE49-F238E27FC236}">
-                <a16:creationId xmlns:a16="http://schemas.microsoft.com/office/drawing/2014/main" id="{34F458DE-F85C-08A9-FA8F-6B9B1632BC77}"/>
+                <a16:creationId xmlns:a16="http://schemas.microsoft.com/office/drawing/2014/main" xmlns="" id="{34F458DE-F85C-08A9-FA8F-6B9B1632BC77}"/>
               </a:ext>
             </a:extLst>
           </p:cNvPr>
@@ -5792,7 +5844,7 @@
           <p:cNvPr id="7" name="Marcador de número de diapositiva 6">
             <a:extLst>
               <a:ext uri="{FF2B5EF4-FFF2-40B4-BE49-F238E27FC236}">
-                <a16:creationId xmlns:a16="http://schemas.microsoft.com/office/drawing/2014/main" id="{0D8E19D6-5664-EE6A-A714-8031CF103557}"/>
+                <a16:creationId xmlns:a16="http://schemas.microsoft.com/office/drawing/2014/main" xmlns="" id="{0D8E19D6-5664-EE6A-A714-8031CF103557}"/>
               </a:ext>
             </a:extLst>
           </p:cNvPr>
@@ -5810,6 +5862,7 @@
           <a:p>
             <a:fld id="{06CB209C-5953-4C44-8248-9E78D0BED06F}" type="slidenum">
               <a:rPr lang="es-ES" smtClean="0"/>
+              <a:pPr/>
               <a:t>‹Nº›</a:t>
             </a:fld>
             <a:endParaRPr lang="es-ES"/>
@@ -5819,7 +5872,7 @@
     </p:spTree>
     <p:extLst>
       <p:ext uri="{BB962C8B-B14F-4D97-AF65-F5344CB8AC3E}">
-        <p14:creationId xmlns:p14="http://schemas.microsoft.com/office/powerpoint/2010/main" val="940323190"/>
+        <p14:creationId xmlns:p14="http://schemas.microsoft.com/office/powerpoint/2010/main" xmlns="" val="940323190"/>
       </p:ext>
     </p:extLst>
   </p:cSld>
@@ -5856,7 +5909,7 @@
           <p:cNvPr id="2" name="Marcador de título 1">
             <a:extLst>
               <a:ext uri="{FF2B5EF4-FFF2-40B4-BE49-F238E27FC236}">
-                <a16:creationId xmlns:a16="http://schemas.microsoft.com/office/drawing/2014/main" id="{F24E8771-EBAD-075A-966A-8ED98C900146}"/>
+                <a16:creationId xmlns:a16="http://schemas.microsoft.com/office/drawing/2014/main" xmlns="" id="{F24E8771-EBAD-075A-966A-8ED98C900146}"/>
               </a:ext>
             </a:extLst>
           </p:cNvPr>
@@ -5894,7 +5947,7 @@
           <p:cNvPr id="3" name="Marcador de texto 2">
             <a:extLst>
               <a:ext uri="{FF2B5EF4-FFF2-40B4-BE49-F238E27FC236}">
-                <a16:creationId xmlns:a16="http://schemas.microsoft.com/office/drawing/2014/main" id="{8C116BFD-F7F8-D00E-4233-9A85D474AC6E}"/>
+                <a16:creationId xmlns:a16="http://schemas.microsoft.com/office/drawing/2014/main" xmlns="" id="{8C116BFD-F7F8-D00E-4233-9A85D474AC6E}"/>
               </a:ext>
             </a:extLst>
           </p:cNvPr>
@@ -5961,7 +6014,7 @@
           <p:cNvPr id="4" name="Marcador de fecha 3">
             <a:extLst>
               <a:ext uri="{FF2B5EF4-FFF2-40B4-BE49-F238E27FC236}">
-                <a16:creationId xmlns:a16="http://schemas.microsoft.com/office/drawing/2014/main" id="{74304EAF-04B0-DB75-888A-C4457963CDCD}"/>
+                <a16:creationId xmlns:a16="http://schemas.microsoft.com/office/drawing/2014/main" xmlns="" id="{74304EAF-04B0-DB75-888A-C4457963CDCD}"/>
               </a:ext>
             </a:extLst>
           </p:cNvPr>
@@ -5997,6 +6050,7 @@
           <a:p>
             <a:fld id="{72A471FA-ED63-4153-8183-D123223DE17B}" type="datetimeFigureOut">
               <a:rPr lang="es-ES" smtClean="0"/>
+              <a:pPr/>
               <a:t>21/05/2024</a:t>
             </a:fld>
             <a:endParaRPr lang="es-ES"/>
@@ -6008,7 +6062,7 @@
           <p:cNvPr id="5" name="Marcador de pie de página 4">
             <a:extLst>
               <a:ext uri="{FF2B5EF4-FFF2-40B4-BE49-F238E27FC236}">
-                <a16:creationId xmlns:a16="http://schemas.microsoft.com/office/drawing/2014/main" id="{E8F7294A-D1F1-0AAF-69D9-DE6B96B41CBD}"/>
+                <a16:creationId xmlns:a16="http://schemas.microsoft.com/office/drawing/2014/main" xmlns="" id="{E8F7294A-D1F1-0AAF-69D9-DE6B96B41CBD}"/>
               </a:ext>
             </a:extLst>
           </p:cNvPr>
@@ -6051,7 +6105,7 @@
           <p:cNvPr id="6" name="Marcador de número de diapositiva 5">
             <a:extLst>
               <a:ext uri="{FF2B5EF4-FFF2-40B4-BE49-F238E27FC236}">
-                <a16:creationId xmlns:a16="http://schemas.microsoft.com/office/drawing/2014/main" id="{DC1C338D-AC56-4B76-72B0-B5D82B5D8D5E}"/>
+                <a16:creationId xmlns:a16="http://schemas.microsoft.com/office/drawing/2014/main" xmlns="" id="{DC1C338D-AC56-4B76-72B0-B5D82B5D8D5E}"/>
               </a:ext>
             </a:extLst>
           </p:cNvPr>
@@ -6087,6 +6141,7 @@
           <a:p>
             <a:fld id="{06CB209C-5953-4C44-8248-9E78D0BED06F}" type="slidenum">
               <a:rPr lang="es-ES" smtClean="0"/>
+              <a:pPr/>
               <a:t>‹Nº›</a:t>
             </a:fld>
             <a:endParaRPr lang="es-ES"/>
@@ -6096,7 +6151,7 @@
     </p:spTree>
     <p:extLst>
       <p:ext uri="{BB962C8B-B14F-4D97-AF65-F5344CB8AC3E}">
-        <p14:creationId xmlns:p14="http://schemas.microsoft.com/office/powerpoint/2010/main" val="2413890570"/>
+        <p14:creationId xmlns:p14="http://schemas.microsoft.com/office/powerpoint/2010/main" xmlns="" val="2413890570"/>
       </p:ext>
     </p:extLst>
   </p:cSld>
@@ -6419,7 +6474,7 @@
           <p:cNvPr id="2" name="Título 1">
             <a:extLst>
               <a:ext uri="{FF2B5EF4-FFF2-40B4-BE49-F238E27FC236}">
-                <a16:creationId xmlns:a16="http://schemas.microsoft.com/office/drawing/2014/main" id="{CBAE137B-DE6A-0D46-DA17-468AF600536E}"/>
+                <a16:creationId xmlns:a16="http://schemas.microsoft.com/office/drawing/2014/main" xmlns="" id="{CBAE137B-DE6A-0D46-DA17-468AF600536E}"/>
               </a:ext>
             </a:extLst>
           </p:cNvPr>
@@ -6447,7 +6502,7 @@
           <p:cNvPr id="3" name="Subtítulo 2">
             <a:extLst>
               <a:ext uri="{FF2B5EF4-FFF2-40B4-BE49-F238E27FC236}">
-                <a16:creationId xmlns:a16="http://schemas.microsoft.com/office/drawing/2014/main" id="{13B2D8E2-DDEE-A462-FA29-D6A71A12A071}"/>
+                <a16:creationId xmlns:a16="http://schemas.microsoft.com/office/drawing/2014/main" xmlns="" id="{13B2D8E2-DDEE-A462-FA29-D6A71A12A071}"/>
               </a:ext>
             </a:extLst>
           </p:cNvPr>
@@ -6485,7 +6540,7 @@
     </p:spTree>
     <p:extLst>
       <p:ext uri="{BB962C8B-B14F-4D97-AF65-F5344CB8AC3E}">
-        <p14:creationId xmlns:p14="http://schemas.microsoft.com/office/powerpoint/2010/main" val="4244934257"/>
+        <p14:creationId xmlns:p14="http://schemas.microsoft.com/office/powerpoint/2010/main" xmlns="" val="4244934257"/>
       </p:ext>
     </p:extLst>
   </p:cSld>
@@ -6517,7 +6572,7 @@
           <p:cNvPr id="2" name="Título 1">
             <a:extLst>
               <a:ext uri="{FF2B5EF4-FFF2-40B4-BE49-F238E27FC236}">
-                <a16:creationId xmlns:a16="http://schemas.microsoft.com/office/drawing/2014/main" id="{2C709B27-4630-FEEB-C10F-D53F2864DAA0}"/>
+                <a16:creationId xmlns:a16="http://schemas.microsoft.com/office/drawing/2014/main" xmlns="" id="{2C709B27-4630-FEEB-C10F-D53F2864DAA0}"/>
               </a:ext>
             </a:extLst>
           </p:cNvPr>
@@ -6545,7 +6600,7 @@
           <p:cNvPr id="3" name="Marcador de contenido 2">
             <a:extLst>
               <a:ext uri="{FF2B5EF4-FFF2-40B4-BE49-F238E27FC236}">
-                <a16:creationId xmlns:a16="http://schemas.microsoft.com/office/drawing/2014/main" id="{884C2A3F-F433-E384-2B92-28D4EC12A6B4}"/>
+                <a16:creationId xmlns:a16="http://schemas.microsoft.com/office/drawing/2014/main" xmlns="" id="{884C2A3F-F433-E384-2B92-28D4EC12A6B4}"/>
               </a:ext>
             </a:extLst>
           </p:cNvPr>
@@ -6570,7 +6625,7 @@
           <p:cNvPr id="4" name="Marcador de texto 3">
             <a:extLst>
               <a:ext uri="{FF2B5EF4-FFF2-40B4-BE49-F238E27FC236}">
-                <a16:creationId xmlns:a16="http://schemas.microsoft.com/office/drawing/2014/main" id="{42BBA762-B6FF-2827-AD1B-3A9012F1EA94}"/>
+                <a16:creationId xmlns:a16="http://schemas.microsoft.com/office/drawing/2014/main" xmlns="" id="{42BBA762-B6FF-2827-AD1B-3A9012F1EA94}"/>
               </a:ext>
             </a:extLst>
           </p:cNvPr>
@@ -6616,7 +6671,7 @@
     </p:spTree>
     <p:extLst>
       <p:ext uri="{BB962C8B-B14F-4D97-AF65-F5344CB8AC3E}">
-        <p14:creationId xmlns:p14="http://schemas.microsoft.com/office/powerpoint/2010/main" val="3142883269"/>
+        <p14:creationId xmlns:p14="http://schemas.microsoft.com/office/powerpoint/2010/main" xmlns="" val="3142883269"/>
       </p:ext>
     </p:extLst>
   </p:cSld>
@@ -6648,7 +6703,7 @@
           <p:cNvPr id="2" name="Título 1">
             <a:extLst>
               <a:ext uri="{FF2B5EF4-FFF2-40B4-BE49-F238E27FC236}">
-                <a16:creationId xmlns:a16="http://schemas.microsoft.com/office/drawing/2014/main" id="{7148499C-2C45-A00B-B8D6-7D9E89EF750A}"/>
+                <a16:creationId xmlns:a16="http://schemas.microsoft.com/office/drawing/2014/main" xmlns="" id="{7148499C-2C45-A00B-B8D6-7D9E89EF750A}"/>
               </a:ext>
             </a:extLst>
           </p:cNvPr>
@@ -6676,7 +6731,7 @@
           <p:cNvPr id="5" name="Marcador de contenido 4">
             <a:extLst>
               <a:ext uri="{FF2B5EF4-FFF2-40B4-BE49-F238E27FC236}">
-                <a16:creationId xmlns:a16="http://schemas.microsoft.com/office/drawing/2014/main" id="{43F42166-8E37-08FD-361F-323938B18B1F}"/>
+                <a16:creationId xmlns:a16="http://schemas.microsoft.com/office/drawing/2014/main" xmlns="" id="{43F42166-8E37-08FD-361F-323938B18B1F}"/>
               </a:ext>
             </a:extLst>
           </p:cNvPr>
@@ -6687,7 +6742,7 @@
             <p:ph sz="half" idx="1"/>
             <p:extLst>
               <p:ext uri="{D42A27DB-BD31-4B8C-83A1-F6EECF244321}">
-                <p14:modId xmlns:p14="http://schemas.microsoft.com/office/powerpoint/2010/main" val="2973244057"/>
+                <p14:modId xmlns:p14="http://schemas.microsoft.com/office/powerpoint/2010/main" xmlns="" val="2973244057"/>
               </p:ext>
             </p:extLst>
           </p:nvPr>
@@ -6707,7 +6762,7 @@
           <p:cNvPr id="6" name="Rectángulo 5">
             <a:extLst>
               <a:ext uri="{FF2B5EF4-FFF2-40B4-BE49-F238E27FC236}">
-                <a16:creationId xmlns:a16="http://schemas.microsoft.com/office/drawing/2014/main" id="{5EC144D6-782E-8219-7F2C-1861EA9D5806}"/>
+                <a16:creationId xmlns:a16="http://schemas.microsoft.com/office/drawing/2014/main" xmlns="" id="{5EC144D6-782E-8219-7F2C-1861EA9D5806}"/>
               </a:ext>
             </a:extLst>
           </p:cNvPr>
@@ -6770,7 +6825,7 @@
           <p:cNvPr id="7" name="Rectángulo 6">
             <a:extLst>
               <a:ext uri="{FF2B5EF4-FFF2-40B4-BE49-F238E27FC236}">
-                <a16:creationId xmlns:a16="http://schemas.microsoft.com/office/drawing/2014/main" id="{160A60A1-B80F-1250-9AFE-2C53612BD892}"/>
+                <a16:creationId xmlns:a16="http://schemas.microsoft.com/office/drawing/2014/main" xmlns="" id="{160A60A1-B80F-1250-9AFE-2C53612BD892}"/>
               </a:ext>
             </a:extLst>
           </p:cNvPr>
@@ -6831,7 +6886,7 @@
     </p:spTree>
     <p:extLst>
       <p:ext uri="{BB962C8B-B14F-4D97-AF65-F5344CB8AC3E}">
-        <p14:creationId xmlns:p14="http://schemas.microsoft.com/office/powerpoint/2010/main" val="3812115305"/>
+        <p14:creationId xmlns:p14="http://schemas.microsoft.com/office/powerpoint/2010/main" xmlns="" val="3812115305"/>
       </p:ext>
     </p:extLst>
   </p:cSld>
@@ -6863,7 +6918,7 @@
           <p:cNvPr id="2" name="Título 1">
             <a:extLst>
               <a:ext uri="{FF2B5EF4-FFF2-40B4-BE49-F238E27FC236}">
-                <a16:creationId xmlns:a16="http://schemas.microsoft.com/office/drawing/2014/main" id="{53FF6CB5-AAFE-B299-1605-FA055DDF38AC}"/>
+                <a16:creationId xmlns:a16="http://schemas.microsoft.com/office/drawing/2014/main" xmlns="" id="{53FF6CB5-AAFE-B299-1605-FA055DDF38AC}"/>
               </a:ext>
             </a:extLst>
           </p:cNvPr>
@@ -6891,7 +6946,7 @@
           <p:cNvPr id="3" name="Marcador de posición de imagen 2">
             <a:extLst>
               <a:ext uri="{FF2B5EF4-FFF2-40B4-BE49-F238E27FC236}">
-                <a16:creationId xmlns:a16="http://schemas.microsoft.com/office/drawing/2014/main" id="{258E8389-DCDA-A7D6-1655-68DF8A548DB9}"/>
+                <a16:creationId xmlns:a16="http://schemas.microsoft.com/office/drawing/2014/main" xmlns="" id="{258E8389-DCDA-A7D6-1655-68DF8A548DB9}"/>
               </a:ext>
             </a:extLst>
           </p:cNvPr>
@@ -6916,7 +6971,7 @@
           <p:cNvPr id="4" name="Marcador de texto 3">
             <a:extLst>
               <a:ext uri="{FF2B5EF4-FFF2-40B4-BE49-F238E27FC236}">
-                <a16:creationId xmlns:a16="http://schemas.microsoft.com/office/drawing/2014/main" id="{40974A39-134F-5325-D438-E5411F47508F}"/>
+                <a16:creationId xmlns:a16="http://schemas.microsoft.com/office/drawing/2014/main" xmlns="" id="{40974A39-134F-5325-D438-E5411F47508F}"/>
               </a:ext>
             </a:extLst>
           </p:cNvPr>
@@ -6930,7 +6985,7 @@
         <p:spPr/>
         <p:txBody>
           <a:bodyPr>
-            <a:normAutofit fontScale="85000" lnSpcReduction="20000"/>
+            <a:normAutofit fontScale="77500" lnSpcReduction="20000"/>
           </a:bodyPr>
           <a:lstStyle/>
           <a:p>
@@ -6959,7 +7014,31 @@
             </a:pPr>
             <a:r>
               <a:rPr lang="es-ES" dirty="0"/>
-              <a:t>Detalles-Pedido – Tabla creada con la intención de ampliar a futuro la aplicación con un carrito.</a:t>
+              <a:t>Detalles-Pedido – Tabla creada con la intención de </a:t>
+            </a:r>
+            <a:r>
+              <a:rPr lang="es-ES" dirty="0" smtClean="0"/>
+              <a:t>que la </a:t>
+            </a:r>
+            <a:r>
+              <a:rPr lang="es-ES" dirty="0"/>
+              <a:t>aplicación </a:t>
+            </a:r>
+            <a:r>
+              <a:rPr lang="es-ES" dirty="0" smtClean="0"/>
+              <a:t>sea escalable con </a:t>
+            </a:r>
+            <a:r>
+              <a:rPr lang="es-ES" dirty="0"/>
+              <a:t>un </a:t>
+            </a:r>
+            <a:r>
+              <a:rPr lang="es-ES" dirty="0" smtClean="0"/>
+              <a:t>registro de compras a través de un carrito</a:t>
+            </a:r>
+            <a:r>
+              <a:rPr lang="es-ES" dirty="0"/>
+              <a:t>.</a:t>
             </a:r>
           </a:p>
           <a:p>
@@ -6968,12 +7047,12 @@
               <a:buChar char="v"/>
             </a:pPr>
             <a:r>
-              <a:rPr lang="es-ES" dirty="0" err="1"/>
-              <a:t>Imagenes</a:t>
+              <a:rPr lang="es-ES" dirty="0" smtClean="0"/>
+              <a:t>Imágenes </a:t>
             </a:r>
             <a:r>
               <a:rPr lang="es-ES" dirty="0"/>
-              <a:t> – Tabla creada para almacenar las diversas imágenes de la aplicación.</a:t>
+              <a:t>– Tabla creada para almacenar las diversas imágenes de la aplicación.</a:t>
             </a:r>
           </a:p>
           <a:p>
@@ -7021,7 +7100,7 @@
     </p:spTree>
     <p:extLst>
       <p:ext uri="{BB962C8B-B14F-4D97-AF65-F5344CB8AC3E}">
-        <p14:creationId xmlns:p14="http://schemas.microsoft.com/office/powerpoint/2010/main" val="4058699696"/>
+        <p14:creationId xmlns:p14="http://schemas.microsoft.com/office/powerpoint/2010/main" xmlns="" val="4058699696"/>
       </p:ext>
     </p:extLst>
   </p:cSld>
@@ -7053,7 +7132,7 @@
           <p:cNvPr id="2" name="Título 1">
             <a:extLst>
               <a:ext uri="{FF2B5EF4-FFF2-40B4-BE49-F238E27FC236}">
-                <a16:creationId xmlns:a16="http://schemas.microsoft.com/office/drawing/2014/main" id="{98EA3991-AFE7-F9F9-E422-B094E85A92CE}"/>
+                <a16:creationId xmlns:a16="http://schemas.microsoft.com/office/drawing/2014/main" xmlns="" id="{98EA3991-AFE7-F9F9-E422-B094E85A92CE}"/>
               </a:ext>
             </a:extLst>
           </p:cNvPr>
@@ -7086,7 +7165,7 @@
           <p:cNvPr id="3" name="Marcador de contenido 2">
             <a:extLst>
               <a:ext uri="{FF2B5EF4-FFF2-40B4-BE49-F238E27FC236}">
-                <a16:creationId xmlns:a16="http://schemas.microsoft.com/office/drawing/2014/main" id="{CF1AC256-A1D4-7BF0-C8BC-3F05741EE11B}"/>
+                <a16:creationId xmlns:a16="http://schemas.microsoft.com/office/drawing/2014/main" xmlns="" id="{CF1AC256-A1D4-7BF0-C8BC-3F05741EE11B}"/>
               </a:ext>
             </a:extLst>
           </p:cNvPr>
@@ -7111,7 +7190,7 @@
           <p:cNvPr id="4" name="Marcador de texto 3">
             <a:extLst>
               <a:ext uri="{FF2B5EF4-FFF2-40B4-BE49-F238E27FC236}">
-                <a16:creationId xmlns:a16="http://schemas.microsoft.com/office/drawing/2014/main" id="{EC6B6429-B304-975A-C34D-B6B93870D583}"/>
+                <a16:creationId xmlns:a16="http://schemas.microsoft.com/office/drawing/2014/main" xmlns="" id="{EC6B6429-B304-975A-C34D-B6B93870D583}"/>
               </a:ext>
             </a:extLst>
           </p:cNvPr>
@@ -7201,7 +7280,7 @@
     </p:spTree>
     <p:extLst>
       <p:ext uri="{BB962C8B-B14F-4D97-AF65-F5344CB8AC3E}">
-        <p14:creationId xmlns:p14="http://schemas.microsoft.com/office/powerpoint/2010/main" val="3019402714"/>
+        <p14:creationId xmlns:p14="http://schemas.microsoft.com/office/powerpoint/2010/main" xmlns="" val="3019402714"/>
       </p:ext>
     </p:extLst>
   </p:cSld>
@@ -7233,7 +7312,7 @@
           <p:cNvPr id="2" name="Título 1">
             <a:extLst>
               <a:ext uri="{FF2B5EF4-FFF2-40B4-BE49-F238E27FC236}">
-                <a16:creationId xmlns:a16="http://schemas.microsoft.com/office/drawing/2014/main" id="{7C05A123-F592-9C5D-9906-194743C2ABD8}"/>
+                <a16:creationId xmlns:a16="http://schemas.microsoft.com/office/drawing/2014/main" xmlns="" id="{7C05A123-F592-9C5D-9906-194743C2ABD8}"/>
               </a:ext>
             </a:extLst>
           </p:cNvPr>
@@ -7266,7 +7345,7 @@
           <p:cNvPr id="3" name="Marcador de contenido 2">
             <a:extLst>
               <a:ext uri="{FF2B5EF4-FFF2-40B4-BE49-F238E27FC236}">
-                <a16:creationId xmlns:a16="http://schemas.microsoft.com/office/drawing/2014/main" id="{03423465-71BC-8A16-A4BB-0A54A3EC1263}"/>
+                <a16:creationId xmlns:a16="http://schemas.microsoft.com/office/drawing/2014/main" xmlns="" id="{03423465-71BC-8A16-A4BB-0A54A3EC1263}"/>
               </a:ext>
             </a:extLst>
           </p:cNvPr>
@@ -7291,7 +7370,7 @@
           <p:cNvPr id="4" name="Marcador de texto 3">
             <a:extLst>
               <a:ext uri="{FF2B5EF4-FFF2-40B4-BE49-F238E27FC236}">
-                <a16:creationId xmlns:a16="http://schemas.microsoft.com/office/drawing/2014/main" id="{4813978D-386C-C198-9F95-B52CFEC6BBC4}"/>
+                <a16:creationId xmlns:a16="http://schemas.microsoft.com/office/drawing/2014/main" xmlns="" id="{4813978D-386C-C198-9F95-B52CFEC6BBC4}"/>
               </a:ext>
             </a:extLst>
           </p:cNvPr>
@@ -7353,8 +7432,29 @@
             </a:r>
             <a:r>
               <a:rPr lang="es-ES" dirty="0"/>
-              <a:t> -  Apartado que se mostrará al usuario para que se registré.</a:t>
-            </a:r>
+              <a:t> -  Apartado que se mostrará </a:t>
+            </a:r>
+            <a:r>
+              <a:rPr lang="es-ES" dirty="0" smtClean="0"/>
+              <a:t>para </a:t>
+            </a:r>
+            <a:r>
+              <a:rPr lang="es-ES" dirty="0"/>
+              <a:t>que </a:t>
+            </a:r>
+            <a:r>
+              <a:rPr lang="es-ES" dirty="0" smtClean="0"/>
+              <a:t>el cliente </a:t>
+            </a:r>
+            <a:r>
+              <a:rPr lang="es-ES" dirty="0" smtClean="0"/>
+              <a:t>cree una cuenta como usuario de nuestra aplicación</a:t>
+            </a:r>
+            <a:r>
+              <a:rPr lang="es-ES" dirty="0" smtClean="0"/>
+              <a:t>.</a:t>
+            </a:r>
+            <a:endParaRPr lang="es-ES" dirty="0"/>
           </a:p>
           <a:p>
             <a:pPr marL="285750" indent="-285750">
@@ -7367,8 +7467,21 @@
             </a:r>
             <a:r>
               <a:rPr lang="es-ES" dirty="0"/>
-              <a:t> – Apartado para que el usuario se registré en caso de que ya lo hubiera hecho anteriormente.</a:t>
-            </a:r>
+              <a:t> – </a:t>
+            </a:r>
+            <a:r>
+              <a:rPr lang="es-ES" dirty="0" smtClean="0"/>
+              <a:t>El cliente podrá iniciar sesión con un usuario </a:t>
+            </a:r>
+            <a:r>
+              <a:rPr lang="es-ES" smtClean="0"/>
+              <a:t>que este creado </a:t>
+            </a:r>
+            <a:r>
+              <a:rPr lang="es-ES" dirty="0" smtClean="0"/>
+              <a:t>previamente.</a:t>
+            </a:r>
+            <a:endParaRPr lang="es-ES" dirty="0"/>
           </a:p>
           <a:p>
             <a:pPr marL="285750" indent="-285750">
@@ -7405,13 +7518,8 @@
             </a:r>
             <a:r>
               <a:rPr lang="es-ES" dirty="0"/>
-              <a:t> para que cree su cuenta </a:t>
-            </a:r>
-            <a:r>
-              <a:rPr lang="es-ES"/>
-              <a:t>de usuario</a:t>
-            </a:r>
-            <a:endParaRPr lang="es-ES" dirty="0"/>
+              <a:t> para que cree su cuenta de usuario</a:t>
+            </a:r>
           </a:p>
           <a:p>
             <a:pPr marL="285750" indent="-285750">
@@ -7446,7 +7554,7 @@
     </p:spTree>
     <p:extLst>
       <p:ext uri="{BB962C8B-B14F-4D97-AF65-F5344CB8AC3E}">
-        <p14:creationId xmlns:p14="http://schemas.microsoft.com/office/powerpoint/2010/main" val="360289081"/>
+        <p14:creationId xmlns:p14="http://schemas.microsoft.com/office/powerpoint/2010/main" xmlns="" val="360289081"/>
       </p:ext>
     </p:extLst>
   </p:cSld>
@@ -7499,7 +7607,7 @@
     </a:clrScheme>
     <a:fontScheme name="Office">
       <a:majorFont>
-        <a:latin typeface="Calibri Light" panose="020F0302020204030204"/>
+        <a:latin typeface="Calibri Light"/>
         <a:ea typeface=""/>
         <a:cs typeface=""/>
         <a:font script="Jpan" typeface="游ゴシック Light"/>
@@ -7551,7 +7659,7 @@
         <a:font script="Tfng" typeface="Ebrima"/>
       </a:majorFont>
       <a:minorFont>
-        <a:latin typeface="Calibri" panose="020F0502020204030204"/>
+        <a:latin typeface="Calibri"/>
         <a:ea typeface=""/>
         <a:cs typeface=""/>
         <a:font script="Jpan" typeface="游ゴシック"/>
@@ -7745,7 +7853,7 @@
   <a:extraClrSchemeLst/>
   <a:extLst>
     <a:ext uri="{05A4C25C-085E-4340-85A3-A5531E510DB2}">
-      <thm15:themeFamily xmlns:thm15="http://schemas.microsoft.com/office/thememl/2012/main" name="Office Theme" id="{62F939B6-93AF-4DB8-9C6B-D6C7DFDC589F}" vid="{4A3C46E8-61CC-4603-A589-7422A47A8E4A}"/>
+      <thm15:themeFamily xmlns:thm15="http://schemas.microsoft.com/office/thememl/2012/main" xmlns="" name="Office Theme" id="{62F939B6-93AF-4DB8-9C6B-D6C7DFDC589F}" vid="{4A3C46E8-61CC-4603-A589-7422A47A8E4A}"/>
     </a:ext>
   </a:extLst>
 </a:theme>
